--- a/Data_StoryTelling_insight+Qin.pptx
+++ b/Data_StoryTelling_insight+Qin.pptx
@@ -21904,7 +21904,7 @@
         </p:blipFill>
         <p:spPr>
           <a:xfrm>
-            <a:off x="5055892" y="880253"/>
+            <a:off x="5213606" y="880253"/>
             <a:ext cx="5677211" cy="3038839"/>
           </a:xfrm>
           <a:prstGeom prst="rect">
@@ -22499,10 +22499,10 @@
       </p:pic>
       <p:pic>
         <p:nvPicPr>
-          <p:cNvPr id="6" name="Imagen 5">
+          <p:cNvPr id="14" name="Imagen 13">
             <a:extLst>
               <a:ext uri="{FF2B5EF4-FFF2-40B4-BE49-F238E27FC236}">
-                <a16:creationId xmlns:a16="http://schemas.microsoft.com/office/drawing/2014/main" id="{52DECE8D-FCF5-7FA0-6247-C3D5CAA92ED2}"/>
+                <a16:creationId xmlns:a16="http://schemas.microsoft.com/office/drawing/2014/main" id="{76803776-20DC-55B5-CEB9-EDE89EEBCB0D}"/>
               </a:ext>
             </a:extLst>
           </p:cNvPr>
@@ -22519,8 +22519,8 @@
         </p:blipFill>
         <p:spPr>
           <a:xfrm>
-            <a:off x="6018093" y="942446"/>
-            <a:ext cx="5738398" cy="3368535"/>
+            <a:off x="435509" y="1309488"/>
+            <a:ext cx="5188376" cy="3120182"/>
           </a:xfrm>
           <a:prstGeom prst="rect">
             <a:avLst/>
@@ -22529,10 +22529,10 @@
       </p:pic>
       <p:pic>
         <p:nvPicPr>
-          <p:cNvPr id="12" name="Imagen 11">
+          <p:cNvPr id="16" name="Imagen 15">
             <a:extLst>
               <a:ext uri="{FF2B5EF4-FFF2-40B4-BE49-F238E27FC236}">
-                <a16:creationId xmlns:a16="http://schemas.microsoft.com/office/drawing/2014/main" id="{7D652445-1458-6151-989C-1E4CBA0F1BFC}"/>
+                <a16:creationId xmlns:a16="http://schemas.microsoft.com/office/drawing/2014/main" id="{66B85EDD-B1BC-5255-271A-240F98F7D1BC}"/>
               </a:ext>
             </a:extLst>
           </p:cNvPr>
@@ -22549,8 +22549,8 @@
         </p:blipFill>
         <p:spPr>
           <a:xfrm>
-            <a:off x="584395" y="1329539"/>
-            <a:ext cx="5188374" cy="3120181"/>
+            <a:off x="6129751" y="1173866"/>
+            <a:ext cx="5194040" cy="3044782"/>
           </a:xfrm>
           <a:prstGeom prst="rect">
             <a:avLst/>
@@ -23037,6 +23037,290 @@
             </a:r>
           </a:p>
           <a:p>
+            <a:r>
+              <a:rPr lang="es-MX" dirty="0">
+                <a:solidFill>
+                  <a:schemeClr val="dk1"/>
+                </a:solidFill>
+                <a:latin typeface="DM Sans"/>
+              </a:rPr>
+              <a:t>i. De la subpoblación de denuncias fraudulentas, se identificó un género dominante contando con un 88,6% de denunciantes masculinos y sólo un 11,4% de denunciantes femeninos con una mediana de edad entre 36-38 años.</a:t>
+            </a:r>
+          </a:p>
+          <a:p>
+            <a:br>
+              <a:rPr lang="es-MX" dirty="0">
+                <a:solidFill>
+                  <a:schemeClr val="dk1"/>
+                </a:solidFill>
+                <a:latin typeface="DM Sans"/>
+              </a:rPr>
+            </a:br>
+            <a:r>
+              <a:rPr lang="es-MX" dirty="0" err="1">
+                <a:solidFill>
+                  <a:schemeClr val="dk1"/>
+                </a:solidFill>
+                <a:latin typeface="DM Sans"/>
+              </a:rPr>
+              <a:t>ii</a:t>
+            </a:r>
+            <a:r>
+              <a:rPr lang="es-MX" dirty="0">
+                <a:solidFill>
+                  <a:schemeClr val="dk1"/>
+                </a:solidFill>
+                <a:latin typeface="DM Sans"/>
+              </a:rPr>
+              <a:t>. El ratio de denuncias fraudulentas sobre totales en 1994 fue de 6,65% (409/6142), 5,79% (301/5195) en 1995 y 5.21% (213/4083) en 1996. Para el </a:t>
+            </a:r>
+            <a:r>
+              <a:rPr lang="es-MX" dirty="0" err="1">
+                <a:solidFill>
+                  <a:schemeClr val="dk1"/>
+                </a:solidFill>
+                <a:latin typeface="DM Sans"/>
+              </a:rPr>
+              <a:t>dataset</a:t>
+            </a:r>
+            <a:r>
+              <a:rPr lang="es-MX" dirty="0">
+                <a:solidFill>
+                  <a:schemeClr val="dk1"/>
+                </a:solidFill>
+                <a:latin typeface="DM Sans"/>
+              </a:rPr>
+              <a:t> en su conjunto fue de 5.98% (923/15420). Se observa un declive anual tanto en el ratio de denuncias fraudulentas como en el número total de siniestros reportados.</a:t>
+            </a:r>
+          </a:p>
+          <a:p>
+            <a:br>
+              <a:rPr lang="es-MX" dirty="0">
+                <a:solidFill>
+                  <a:schemeClr val="dk1"/>
+                </a:solidFill>
+                <a:latin typeface="DM Sans"/>
+              </a:rPr>
+            </a:br>
+            <a:r>
+              <a:rPr lang="es-MX" dirty="0" err="1">
+                <a:solidFill>
+                  <a:schemeClr val="dk1"/>
+                </a:solidFill>
+                <a:latin typeface="DM Sans"/>
+              </a:rPr>
+              <a:t>iii</a:t>
+            </a:r>
+            <a:r>
+              <a:rPr lang="es-MX" dirty="0">
+                <a:solidFill>
+                  <a:schemeClr val="dk1"/>
+                </a:solidFill>
+                <a:latin typeface="DM Sans"/>
+              </a:rPr>
+              <a:t>. Hay un 0% en el </a:t>
+            </a:r>
+            <a:r>
+              <a:rPr lang="es-MX" dirty="0" err="1">
+                <a:solidFill>
+                  <a:schemeClr val="dk1"/>
+                </a:solidFill>
+                <a:latin typeface="DM Sans"/>
+              </a:rPr>
+              <a:t>subset</a:t>
+            </a:r>
+            <a:r>
+              <a:rPr lang="es-MX" dirty="0">
+                <a:solidFill>
+                  <a:schemeClr val="dk1"/>
+                </a:solidFill>
+                <a:latin typeface="DM Sans"/>
+              </a:rPr>
+              <a:t> de población fraudulenta con estado </a:t>
+            </a:r>
+            <a:r>
+              <a:rPr lang="es-MX" dirty="0" err="1">
+                <a:solidFill>
+                  <a:schemeClr val="dk1"/>
+                </a:solidFill>
+                <a:latin typeface="DM Sans"/>
+              </a:rPr>
+              <a:t>martial</a:t>
+            </a:r>
+            <a:r>
+              <a:rPr lang="es-MX" dirty="0">
+                <a:solidFill>
+                  <a:schemeClr val="dk1"/>
+                </a:solidFill>
+                <a:latin typeface="DM Sans"/>
+              </a:rPr>
+              <a:t> divorciado y viudo.</a:t>
+            </a:r>
+          </a:p>
+          <a:p>
+            <a:br>
+              <a:rPr lang="es-MX" dirty="0">
+                <a:solidFill>
+                  <a:schemeClr val="dk1"/>
+                </a:solidFill>
+                <a:latin typeface="DM Sans"/>
+              </a:rPr>
+            </a:br>
+            <a:r>
+              <a:rPr lang="es-MX" dirty="0" err="1">
+                <a:solidFill>
+                  <a:schemeClr val="dk1"/>
+                </a:solidFill>
+                <a:latin typeface="DM Sans"/>
+              </a:rPr>
+              <a:t>iv</a:t>
+            </a:r>
+            <a:r>
+              <a:rPr lang="es-MX" dirty="0">
+                <a:solidFill>
+                  <a:schemeClr val="dk1"/>
+                </a:solidFill>
+                <a:latin typeface="DM Sans"/>
+              </a:rPr>
+              <a:t>. No hay mujeres que hayan realizado denuncias fraudulentas con vehículos con categoría </a:t>
+            </a:r>
+            <a:r>
+              <a:rPr lang="es-MX" dirty="0" err="1">
+                <a:solidFill>
+                  <a:schemeClr val="dk1"/>
+                </a:solidFill>
+                <a:latin typeface="DM Sans"/>
+              </a:rPr>
+              <a:t>Utility</a:t>
+            </a:r>
+            <a:r>
+              <a:rPr lang="es-MX" dirty="0">
+                <a:solidFill>
+                  <a:schemeClr val="dk1"/>
+                </a:solidFill>
+                <a:latin typeface="DM Sans"/>
+              </a:rPr>
+              <a:t>. Sin embargo, esta misma es la categoría más reportada por subscriptores masculinos.   </a:t>
+            </a:r>
+          </a:p>
+          <a:p>
+            <a:br>
+              <a:rPr lang="es-MX" dirty="0">
+                <a:solidFill>
+                  <a:schemeClr val="dk1"/>
+                </a:solidFill>
+                <a:latin typeface="DM Sans"/>
+              </a:rPr>
+            </a:br>
+            <a:r>
+              <a:rPr lang="es-MX" dirty="0">
+                <a:solidFill>
+                  <a:schemeClr val="dk1"/>
+                </a:solidFill>
+                <a:latin typeface="DM Sans"/>
+              </a:rPr>
+              <a:t>v. La moda de las variables </a:t>
+            </a:r>
+            <a:r>
+              <a:rPr lang="es-MX" dirty="0" err="1">
+                <a:solidFill>
+                  <a:schemeClr val="dk1"/>
+                </a:solidFill>
+                <a:latin typeface="DM Sans"/>
+              </a:rPr>
+              <a:t>Make</a:t>
+            </a:r>
+            <a:r>
+              <a:rPr lang="es-MX" dirty="0">
+                <a:solidFill>
+                  <a:schemeClr val="dk1"/>
+                </a:solidFill>
+                <a:latin typeface="DM Sans"/>
+              </a:rPr>
+              <a:t> y </a:t>
+            </a:r>
+            <a:r>
+              <a:rPr lang="es-MX" dirty="0" err="1">
+                <a:solidFill>
+                  <a:schemeClr val="dk1"/>
+                </a:solidFill>
+                <a:latin typeface="DM Sans"/>
+              </a:rPr>
+              <a:t>AgeOfVehicle</a:t>
+            </a:r>
+            <a:r>
+              <a:rPr lang="es-MX" dirty="0">
+                <a:solidFill>
+                  <a:schemeClr val="dk1"/>
+                </a:solidFill>
+                <a:latin typeface="DM Sans"/>
+              </a:rPr>
+              <a:t> utilizando el </a:t>
+            </a:r>
+            <a:r>
+              <a:rPr lang="es-MX" dirty="0" err="1">
+                <a:solidFill>
+                  <a:schemeClr val="dk1"/>
+                </a:solidFill>
+                <a:latin typeface="DM Sans"/>
+              </a:rPr>
+              <a:t>dataset</a:t>
+            </a:r>
+            <a:r>
+              <a:rPr lang="es-MX" dirty="0">
+                <a:solidFill>
+                  <a:schemeClr val="dk1"/>
+                </a:solidFill>
+                <a:latin typeface="DM Sans"/>
+              </a:rPr>
+              <a:t> en su totalidad son Pontiac y 7 </a:t>
+            </a:r>
+            <a:r>
+              <a:rPr lang="es-MX" dirty="0" err="1">
+                <a:solidFill>
+                  <a:schemeClr val="dk1"/>
+                </a:solidFill>
+                <a:latin typeface="DM Sans"/>
+              </a:rPr>
+              <a:t>years</a:t>
+            </a:r>
+            <a:r>
+              <a:rPr lang="es-MX" dirty="0">
+                <a:solidFill>
+                  <a:schemeClr val="dk1"/>
+                </a:solidFill>
+                <a:latin typeface="DM Sans"/>
+              </a:rPr>
+              <a:t> respectivamente. Dichos valores coinciden con el puesto #1 de los top 5 para el </a:t>
+            </a:r>
+            <a:r>
+              <a:rPr lang="es-MX" dirty="0" err="1">
+                <a:solidFill>
+                  <a:schemeClr val="dk1"/>
+                </a:solidFill>
+                <a:latin typeface="DM Sans"/>
+              </a:rPr>
+              <a:t>subdataset</a:t>
+            </a:r>
+            <a:r>
+              <a:rPr lang="es-MX" dirty="0">
+                <a:solidFill>
+                  <a:schemeClr val="dk1"/>
+                </a:solidFill>
+                <a:latin typeface="DM Sans"/>
+              </a:rPr>
+              <a:t> de denuncias fraudulentas. </a:t>
+            </a:r>
+          </a:p>
+          <a:p>
+            <a:br>
+              <a:rPr lang="es-MX" dirty="0">
+                <a:solidFill>
+                  <a:schemeClr val="dk1"/>
+                </a:solidFill>
+                <a:latin typeface="DM Sans"/>
+              </a:rPr>
+            </a:br>
             <a:endParaRPr lang="es-MX" dirty="0">
               <a:solidFill>
                 <a:schemeClr val="dk1"/>
@@ -23045,73 +23329,15 @@
             </a:endParaRPr>
           </a:p>
           <a:p>
-            <a:r>
-              <a:rPr lang="es-MX" dirty="0">
-                <a:solidFill>
-                  <a:schemeClr val="dk1"/>
-                </a:solidFill>
-                <a:latin typeface="DM Sans"/>
+            <a:br>
+              <a:rPr lang="es-MX" b="0" dirty="0">
+                <a:solidFill>
+                  <a:srgbClr val="CCCCCC"/>
+                </a:solidFill>
+                <a:effectLst/>
+                <a:latin typeface="Consolas" panose="020B0609020204030204" pitchFamily="49" charset="0"/>
               </a:rPr>
-              <a:t>El análisis exploratorio de datos revela que puede haber una relación entre ciertas características demográficas y la probabilidad de fraude.</a:t>
-            </a:r>
-          </a:p>
-          <a:p>
-            <a:r>
-              <a:rPr lang="es-MX" dirty="0">
-                <a:solidFill>
-                  <a:schemeClr val="dk1"/>
-                </a:solidFill>
-                <a:latin typeface="DM Sans"/>
-              </a:rPr>
-              <a:t>Específicamente los titulares de póliza de género masculino entre 31-35 años seguido de 35-40 años presentan tendencia a cometer fraudes de seguro. Este análisis también revela otros patrones y tendencias interesantes en el fraude de seguros. Por ejemplo, se encontró que los automóviles con mayor años de </a:t>
-            </a:r>
-            <a:r>
-              <a:rPr lang="es-MX" dirty="0" err="1">
-                <a:solidFill>
-                  <a:schemeClr val="dk1"/>
-                </a:solidFill>
-                <a:latin typeface="DM Sans"/>
-              </a:rPr>
-              <a:t>antiguedad</a:t>
-            </a:r>
-            <a:r>
-              <a:rPr lang="es-MX" dirty="0">
-                <a:solidFill>
-                  <a:schemeClr val="dk1"/>
-                </a:solidFill>
-                <a:latin typeface="DM Sans"/>
-              </a:rPr>
-              <a:t> de la categoría </a:t>
-            </a:r>
-            <a:r>
-              <a:rPr lang="es-MX" dirty="0" err="1">
-                <a:solidFill>
-                  <a:schemeClr val="dk1"/>
-                </a:solidFill>
-                <a:latin typeface="DM Sans"/>
-              </a:rPr>
-              <a:t>Utility</a:t>
-            </a:r>
-            <a:r>
-              <a:rPr lang="es-MX" dirty="0">
-                <a:solidFill>
-                  <a:schemeClr val="dk1"/>
-                </a:solidFill>
-                <a:latin typeface="DM Sans"/>
-              </a:rPr>
-              <a:t> o Sedan y las siguientes marcas son los más reportados en casos fraudulentos: Pontiac, Toyota, Honda, Mazda, Chevrolet.</a:t>
-            </a:r>
-          </a:p>
-          <a:p>
-            <a:pPr marL="0" marR="0" lvl="0" indent="0" algn="l" rtl="0">
-              <a:spcBef>
-                <a:spcPts val="0"/>
-              </a:spcBef>
-              <a:spcAft>
-                <a:spcPts val="0"/>
-              </a:spcAft>
-              <a:buNone/>
-            </a:pPr>
+            </a:br>
             <a:endParaRPr dirty="0">
               <a:solidFill>
                 <a:schemeClr val="dk1"/>
@@ -23132,7 +23358,7 @@
         </p:nvSpPr>
         <p:spPr>
           <a:xfrm>
-            <a:off x="3439219" y="2450266"/>
+            <a:off x="3397698" y="4139036"/>
             <a:ext cx="8655600" cy="3201600"/>
           </a:xfrm>
           <a:prstGeom prst="rect">
@@ -23205,43 +23431,7 @@
                 </a:solidFill>
                 <a:latin typeface="DM Sans"/>
               </a:rPr>
-              <a:t>1. Analizar otras variables que tengan un coeficiente de correlación relevante con la variable </a:t>
-            </a:r>
-            <a:r>
-              <a:rPr lang="es-MX" dirty="0" err="1">
-                <a:solidFill>
-                  <a:schemeClr val="dk1"/>
-                </a:solidFill>
-                <a:latin typeface="DM Sans"/>
-              </a:rPr>
-              <a:t>FraudFound_P</a:t>
-            </a:r>
-            <a:r>
-              <a:rPr lang="es-MX" dirty="0">
-                <a:solidFill>
-                  <a:schemeClr val="dk1"/>
-                </a:solidFill>
-                <a:latin typeface="DM Sans"/>
-              </a:rPr>
-              <a:t> según el </a:t>
-            </a:r>
-            <a:r>
-              <a:rPr lang="es-MX" dirty="0" err="1">
-                <a:solidFill>
-                  <a:schemeClr val="dk1"/>
-                </a:solidFill>
-                <a:latin typeface="DM Sans"/>
-              </a:rPr>
-              <a:t>heatmap</a:t>
-            </a:r>
-            <a:r>
-              <a:rPr lang="es-MX" dirty="0">
-                <a:solidFill>
-                  <a:schemeClr val="dk1"/>
-                </a:solidFill>
-                <a:latin typeface="DM Sans"/>
-              </a:rPr>
-              <a:t>.</a:t>
+              <a:t>1. Realizar un control más exhaustivo durante la verificación de antecedentes para detectar cualquier historial de fraude o comportamiento sospechoso por parte de los subscriptores principalmente de género masculino entre 36-40 años. </a:t>
             </a:r>
           </a:p>
           <a:p>
@@ -23260,7 +23450,25 @@
                 </a:solidFill>
                 <a:latin typeface="DM Sans"/>
               </a:rPr>
-              <a:t>2. Realizar un control más exhaustivo durante la verificación de antecedentes para detectar cualquier historial de fraude o comportamiento sospechoso por parte de los subscriptores. </a:t>
+              <a:t>2. No otorgar el seguro para aseguradores masculinos de entre 36-38 años con automóviles con </a:t>
+            </a:r>
+            <a:r>
+              <a:rPr lang="es-MX" dirty="0" err="1">
+                <a:solidFill>
+                  <a:schemeClr val="dk1"/>
+                </a:solidFill>
+                <a:latin typeface="DM Sans"/>
+              </a:rPr>
+              <a:t>antiguedad</a:t>
+            </a:r>
+            <a:r>
+              <a:rPr lang="es-MX" dirty="0">
+                <a:solidFill>
+                  <a:schemeClr val="dk1"/>
+                </a:solidFill>
+                <a:latin typeface="DM Sans"/>
+              </a:rPr>
+              <a:t> de 7 años o mayor de marcas Pontiac o Toyota.</a:t>
             </a:r>
           </a:p>
           <a:p>
